--- a/assets/files/Curs2/CursNotiuniProgramare.pptx
+++ b/assets/files/Curs2/CursNotiuniProgramare.pptx
@@ -826,7 +826,7 @@
   <p:cSld>
     <p:spTree>
       <p:nvGrpSpPr>
-        <p:cNvPr id="190" name="Shape 190"/>
+        <p:cNvPr id="191" name="Shape 191"/>
         <p:cNvGrpSpPr/>
         <p:nvPr/>
       </p:nvGrpSpPr>
@@ -840,7 +840,7 @@
       </p:grpSpPr>
       <p:sp>
         <p:nvSpPr>
-          <p:cNvPr id="191" name="Google Shape;191;g4670735727_0_609:notes"/>
+          <p:cNvPr id="192" name="Google Shape;192;g4670735727_0_609:notes"/>
           <p:cNvSpPr/>
           <p:nvPr>
             <p:ph idx="2" type="sldImg"/>
@@ -875,7 +875,7 @@
       </p:sp>
       <p:sp>
         <p:nvSpPr>
-          <p:cNvPr id="192" name="Google Shape;192;g4670735727_0_609:notes"/>
+          <p:cNvPr id="193" name="Google Shape;193;g4670735727_0_609:notes"/>
           <p:cNvSpPr txBox="1"/>
           <p:nvPr>
             <p:ph idx="1" type="body"/>
@@ -925,7 +925,7 @@
   <p:cSld>
     <p:spTree>
       <p:nvGrpSpPr>
-        <p:cNvPr id="196" name="Shape 196"/>
+        <p:cNvPr id="197" name="Shape 197"/>
         <p:cNvGrpSpPr/>
         <p:nvPr/>
       </p:nvGrpSpPr>
@@ -939,7 +939,7 @@
       </p:grpSpPr>
       <p:sp>
         <p:nvSpPr>
-          <p:cNvPr id="197" name="Google Shape;197;g4670735727_0_623:notes"/>
+          <p:cNvPr id="198" name="Google Shape;198;g4670735727_0_623:notes"/>
           <p:cNvSpPr/>
           <p:nvPr>
             <p:ph idx="2" type="sldImg"/>
@@ -974,7 +974,7 @@
       </p:sp>
       <p:sp>
         <p:nvSpPr>
-          <p:cNvPr id="198" name="Google Shape;198;g4670735727_0_623:notes"/>
+          <p:cNvPr id="199" name="Google Shape;199;g4670735727_0_623:notes"/>
           <p:cNvSpPr txBox="1"/>
           <p:nvPr>
             <p:ph idx="1" type="body"/>
@@ -1024,7 +1024,7 @@
   <p:cSld>
     <p:spTree>
       <p:nvGrpSpPr>
-        <p:cNvPr id="203" name="Shape 203"/>
+        <p:cNvPr id="204" name="Shape 204"/>
         <p:cNvGrpSpPr/>
         <p:nvPr/>
       </p:nvGrpSpPr>
@@ -1038,7 +1038,7 @@
       </p:grpSpPr>
       <p:sp>
         <p:nvSpPr>
-          <p:cNvPr id="204" name="Google Shape;204;g4670735727_0_630:notes"/>
+          <p:cNvPr id="205" name="Google Shape;205;g4670735727_0_630:notes"/>
           <p:cNvSpPr/>
           <p:nvPr>
             <p:ph idx="2" type="sldImg"/>
@@ -1073,7 +1073,7 @@
       </p:sp>
       <p:sp>
         <p:nvSpPr>
-          <p:cNvPr id="205" name="Google Shape;205;g4670735727_0_630:notes"/>
+          <p:cNvPr id="206" name="Google Shape;206;g4670735727_0_630:notes"/>
           <p:cNvSpPr txBox="1"/>
           <p:nvPr>
             <p:ph idx="1" type="body"/>
@@ -1123,7 +1123,7 @@
   <p:cSld>
     <p:spTree>
       <p:nvGrpSpPr>
-        <p:cNvPr id="210" name="Shape 210"/>
+        <p:cNvPr id="211" name="Shape 211"/>
         <p:cNvGrpSpPr/>
         <p:nvPr/>
       </p:nvGrpSpPr>
@@ -1137,7 +1137,7 @@
       </p:grpSpPr>
       <p:sp>
         <p:nvSpPr>
-          <p:cNvPr id="211" name="Google Shape;211;g4670735727_0_637:notes"/>
+          <p:cNvPr id="212" name="Google Shape;212;g4670735727_0_637:notes"/>
           <p:cNvSpPr/>
           <p:nvPr>
             <p:ph idx="2" type="sldImg"/>
@@ -1172,7 +1172,7 @@
       </p:sp>
       <p:sp>
         <p:nvSpPr>
-          <p:cNvPr id="212" name="Google Shape;212;g4670735727_0_637:notes"/>
+          <p:cNvPr id="213" name="Google Shape;213;g4670735727_0_637:notes"/>
           <p:cNvSpPr txBox="1"/>
           <p:nvPr>
             <p:ph idx="1" type="body"/>
@@ -1222,7 +1222,7 @@
   <p:cSld>
     <p:spTree>
       <p:nvGrpSpPr>
-        <p:cNvPr id="216" name="Shape 216"/>
+        <p:cNvPr id="217" name="Shape 217"/>
         <p:cNvGrpSpPr/>
         <p:nvPr/>
       </p:nvGrpSpPr>
@@ -1236,7 +1236,7 @@
       </p:grpSpPr>
       <p:sp>
         <p:nvSpPr>
-          <p:cNvPr id="217" name="Google Shape;217;g4670735727_0_649:notes"/>
+          <p:cNvPr id="218" name="Google Shape;218;g4670735727_0_649:notes"/>
           <p:cNvSpPr/>
           <p:nvPr>
             <p:ph idx="2" type="sldImg"/>
@@ -1271,7 +1271,7 @@
       </p:sp>
       <p:sp>
         <p:nvSpPr>
-          <p:cNvPr id="218" name="Google Shape;218;g4670735727_0_649:notes"/>
+          <p:cNvPr id="219" name="Google Shape;219;g4670735727_0_649:notes"/>
           <p:cNvSpPr txBox="1"/>
           <p:nvPr>
             <p:ph idx="1" type="body"/>
@@ -1321,7 +1321,7 @@
   <p:cSld>
     <p:spTree>
       <p:nvGrpSpPr>
-        <p:cNvPr id="221" name="Shape 221"/>
+        <p:cNvPr id="222" name="Shape 222"/>
         <p:cNvGrpSpPr/>
         <p:nvPr/>
       </p:nvGrpSpPr>
@@ -1335,7 +1335,7 @@
       </p:grpSpPr>
       <p:sp>
         <p:nvSpPr>
-          <p:cNvPr id="222" name="Google Shape;222;g4670735727_0_654:notes"/>
+          <p:cNvPr id="223" name="Google Shape;223;g4670735727_0_654:notes"/>
           <p:cNvSpPr/>
           <p:nvPr>
             <p:ph idx="2" type="sldImg"/>
@@ -1370,7 +1370,7 @@
       </p:sp>
       <p:sp>
         <p:nvSpPr>
-          <p:cNvPr id="223" name="Google Shape;223;g4670735727_0_654:notes"/>
+          <p:cNvPr id="224" name="Google Shape;224;g4670735727_0_654:notes"/>
           <p:cNvSpPr txBox="1"/>
           <p:nvPr>
             <p:ph idx="1" type="body"/>
@@ -1420,7 +1420,7 @@
   <p:cSld>
     <p:spTree>
       <p:nvGrpSpPr>
-        <p:cNvPr id="228" name="Shape 228"/>
+        <p:cNvPr id="229" name="Shape 229"/>
         <p:cNvGrpSpPr/>
         <p:nvPr/>
       </p:nvGrpSpPr>
@@ -1434,7 +1434,7 @@
       </p:grpSpPr>
       <p:sp>
         <p:nvSpPr>
-          <p:cNvPr id="229" name="Google Shape;229;g4670735727_0_659:notes"/>
+          <p:cNvPr id="230" name="Google Shape;230;g4670735727_0_659:notes"/>
           <p:cNvSpPr/>
           <p:nvPr>
             <p:ph idx="2" type="sldImg"/>
@@ -1469,7 +1469,7 @@
       </p:sp>
       <p:sp>
         <p:nvSpPr>
-          <p:cNvPr id="230" name="Google Shape;230;g4670735727_0_659:notes"/>
+          <p:cNvPr id="231" name="Google Shape;231;g4670735727_0_659:notes"/>
           <p:cNvSpPr txBox="1"/>
           <p:nvPr>
             <p:ph idx="1" type="body"/>
@@ -1519,7 +1519,7 @@
   <p:cSld>
     <p:spTree>
       <p:nvGrpSpPr>
-        <p:cNvPr id="136" name="Shape 136"/>
+        <p:cNvPr id="137" name="Shape 137"/>
         <p:cNvGrpSpPr/>
         <p:nvPr/>
       </p:nvGrpSpPr>
@@ -1533,7 +1533,7 @@
       </p:grpSpPr>
       <p:sp>
         <p:nvSpPr>
-          <p:cNvPr id="137" name="Google Shape;137;g4670735727_0_180:notes"/>
+          <p:cNvPr id="138" name="Google Shape;138;g4670735727_0_180:notes"/>
           <p:cNvSpPr/>
           <p:nvPr>
             <p:ph idx="2" type="sldImg"/>
@@ -1568,7 +1568,7 @@
       </p:sp>
       <p:sp>
         <p:nvSpPr>
-          <p:cNvPr id="138" name="Google Shape;138;g4670735727_0_180:notes"/>
+          <p:cNvPr id="139" name="Google Shape;139;g4670735727_0_180:notes"/>
           <p:cNvSpPr txBox="1"/>
           <p:nvPr>
             <p:ph idx="1" type="body"/>
@@ -1618,7 +1618,7 @@
   <p:cSld>
     <p:spTree>
       <p:nvGrpSpPr>
-        <p:cNvPr id="141" name="Shape 141"/>
+        <p:cNvPr id="142" name="Shape 142"/>
         <p:cNvGrpSpPr/>
         <p:nvPr/>
       </p:nvGrpSpPr>
@@ -1632,7 +1632,7 @@
       </p:grpSpPr>
       <p:sp>
         <p:nvSpPr>
-          <p:cNvPr id="142" name="Google Shape;142;g4670735727_0_175:notes"/>
+          <p:cNvPr id="143" name="Google Shape;143;g4670735727_0_175:notes"/>
           <p:cNvSpPr/>
           <p:nvPr>
             <p:ph idx="2" type="sldImg"/>
@@ -1667,7 +1667,7 @@
       </p:sp>
       <p:sp>
         <p:nvSpPr>
-          <p:cNvPr id="143" name="Google Shape;143;g4670735727_0_175:notes"/>
+          <p:cNvPr id="144" name="Google Shape;144;g4670735727_0_175:notes"/>
           <p:cNvSpPr txBox="1"/>
           <p:nvPr>
             <p:ph idx="1" type="body"/>
@@ -1717,7 +1717,7 @@
   <p:cSld>
     <p:spTree>
       <p:nvGrpSpPr>
-        <p:cNvPr id="153" name="Shape 153"/>
+        <p:cNvPr id="154" name="Shape 154"/>
         <p:cNvGrpSpPr/>
         <p:nvPr/>
       </p:nvGrpSpPr>
@@ -1731,7 +1731,7 @@
       </p:grpSpPr>
       <p:sp>
         <p:nvSpPr>
-          <p:cNvPr id="154" name="Google Shape;154;g4670735727_0_584:notes"/>
+          <p:cNvPr id="155" name="Google Shape;155;g4670735727_0_584:notes"/>
           <p:cNvSpPr/>
           <p:nvPr>
             <p:ph idx="2" type="sldImg"/>
@@ -1766,7 +1766,7 @@
       </p:sp>
       <p:sp>
         <p:nvSpPr>
-          <p:cNvPr id="155" name="Google Shape;155;g4670735727_0_584:notes"/>
+          <p:cNvPr id="156" name="Google Shape;156;g4670735727_0_584:notes"/>
           <p:cNvSpPr txBox="1"/>
           <p:nvPr>
             <p:ph idx="1" type="body"/>
@@ -1816,7 +1816,7 @@
   <p:cSld>
     <p:spTree>
       <p:nvGrpSpPr>
-        <p:cNvPr id="158" name="Shape 158"/>
+        <p:cNvPr id="159" name="Shape 159"/>
         <p:cNvGrpSpPr/>
         <p:nvPr/>
       </p:nvGrpSpPr>
@@ -1830,7 +1830,7 @@
       </p:grpSpPr>
       <p:sp>
         <p:nvSpPr>
-          <p:cNvPr id="159" name="Google Shape;159;g4670735727_0_588:notes"/>
+          <p:cNvPr id="160" name="Google Shape;160;g4670735727_0_588:notes"/>
           <p:cNvSpPr/>
           <p:nvPr>
             <p:ph idx="2" type="sldImg"/>
@@ -1865,7 +1865,7 @@
       </p:sp>
       <p:sp>
         <p:nvSpPr>
-          <p:cNvPr id="160" name="Google Shape;160;g4670735727_0_588:notes"/>
+          <p:cNvPr id="161" name="Google Shape;161;g4670735727_0_588:notes"/>
           <p:cNvSpPr txBox="1"/>
           <p:nvPr>
             <p:ph idx="1" type="body"/>
@@ -1915,7 +1915,7 @@
   <p:cSld>
     <p:spTree>
       <p:nvGrpSpPr>
-        <p:cNvPr id="164" name="Shape 164"/>
+        <p:cNvPr id="165" name="Shape 165"/>
         <p:cNvGrpSpPr/>
         <p:nvPr/>
       </p:nvGrpSpPr>
@@ -1929,7 +1929,7 @@
       </p:grpSpPr>
       <p:sp>
         <p:nvSpPr>
-          <p:cNvPr id="165" name="Google Shape;165;g4670735727_0_593:notes"/>
+          <p:cNvPr id="166" name="Google Shape;166;g4670735727_0_593:notes"/>
           <p:cNvSpPr/>
           <p:nvPr>
             <p:ph idx="2" type="sldImg"/>
@@ -1964,7 +1964,7 @@
       </p:sp>
       <p:sp>
         <p:nvSpPr>
-          <p:cNvPr id="166" name="Google Shape;166;g4670735727_0_593:notes"/>
+          <p:cNvPr id="167" name="Google Shape;167;g4670735727_0_593:notes"/>
           <p:cNvSpPr txBox="1"/>
           <p:nvPr>
             <p:ph idx="1" type="body"/>
@@ -2014,7 +2014,7 @@
   <p:cSld>
     <p:spTree>
       <p:nvGrpSpPr>
-        <p:cNvPr id="173" name="Shape 173"/>
+        <p:cNvPr id="174" name="Shape 174"/>
         <p:cNvGrpSpPr/>
         <p:nvPr/>
       </p:nvGrpSpPr>
@@ -2028,7 +2028,7 @@
       </p:grpSpPr>
       <p:sp>
         <p:nvSpPr>
-          <p:cNvPr id="174" name="Google Shape;174;g4670735727_0_602:notes"/>
+          <p:cNvPr id="175" name="Google Shape;175;g4670735727_0_602:notes"/>
           <p:cNvSpPr/>
           <p:nvPr>
             <p:ph idx="2" type="sldImg"/>
@@ -2063,7 +2063,7 @@
       </p:sp>
       <p:sp>
         <p:nvSpPr>
-          <p:cNvPr id="175" name="Google Shape;175;g4670735727_0_602:notes"/>
+          <p:cNvPr id="176" name="Google Shape;176;g4670735727_0_602:notes"/>
           <p:cNvSpPr txBox="1"/>
           <p:nvPr>
             <p:ph idx="1" type="body"/>
@@ -2113,7 +2113,7 @@
   <p:cSld>
     <p:spTree>
       <p:nvGrpSpPr>
-        <p:cNvPr id="179" name="Shape 179"/>
+        <p:cNvPr id="180" name="Shape 180"/>
         <p:cNvGrpSpPr/>
         <p:nvPr/>
       </p:nvGrpSpPr>
@@ -2127,7 +2127,7 @@
       </p:grpSpPr>
       <p:sp>
         <p:nvSpPr>
-          <p:cNvPr id="180" name="Google Shape;180;g4670735727_0_618:notes"/>
+          <p:cNvPr id="181" name="Google Shape;181;g4670735727_0_618:notes"/>
           <p:cNvSpPr/>
           <p:nvPr>
             <p:ph idx="2" type="sldImg"/>
@@ -2162,7 +2162,7 @@
       </p:sp>
       <p:sp>
         <p:nvSpPr>
-          <p:cNvPr id="181" name="Google Shape;181;g4670735727_0_618:notes"/>
+          <p:cNvPr id="182" name="Google Shape;182;g4670735727_0_618:notes"/>
           <p:cNvSpPr txBox="1"/>
           <p:nvPr>
             <p:ph idx="1" type="body"/>
@@ -2212,7 +2212,7 @@
   <p:cSld>
     <p:spTree>
       <p:nvGrpSpPr>
-        <p:cNvPr id="185" name="Shape 185"/>
+        <p:cNvPr id="186" name="Shape 186"/>
         <p:cNvGrpSpPr/>
         <p:nvPr/>
       </p:nvGrpSpPr>
@@ -2226,7 +2226,7 @@
       </p:grpSpPr>
       <p:sp>
         <p:nvSpPr>
-          <p:cNvPr id="186" name="Google Shape;186;g4670735727_0_614:notes"/>
+          <p:cNvPr id="187" name="Google Shape;187;g4670735727_0_614:notes"/>
           <p:cNvSpPr/>
           <p:nvPr>
             <p:ph idx="2" type="sldImg"/>
@@ -2261,7 +2261,7 @@
       </p:sp>
       <p:sp>
         <p:nvSpPr>
-          <p:cNvPr id="187" name="Google Shape;187;g4670735727_0_614:notes"/>
+          <p:cNvPr id="188" name="Google Shape;188;g4670735727_0_614:notes"/>
           <p:cNvSpPr txBox="1"/>
           <p:nvPr>
             <p:ph idx="1" type="body"/>
@@ -10546,6 +10546,33 @@
           </a:p>
         </p:txBody>
       </p:sp>
+      <p:pic>
+        <p:nvPicPr>
+          <p:cNvPr id="136" name="Google Shape;136;p13"/>
+          <p:cNvPicPr preferRelativeResize="0"/>
+          <p:nvPr/>
+        </p:nvPicPr>
+        <p:blipFill rotWithShape="1">
+          <a:blip r:embed="rId3">
+            <a:alphaModFix/>
+          </a:blip>
+          <a:srcRect b="0" l="0" r="0" t="0"/>
+          <a:stretch/>
+        </p:blipFill>
+        <p:spPr>
+          <a:xfrm>
+            <a:off x="6858000" y="0"/>
+            <a:ext cx="2285999" cy="1838271"/>
+          </a:xfrm>
+          <a:prstGeom prst="rect">
+            <a:avLst/>
+          </a:prstGeom>
+          <a:noFill/>
+          <a:ln>
+            <a:noFill/>
+          </a:ln>
+        </p:spPr>
+      </p:pic>
     </p:spTree>
   </p:cSld>
   <p:clrMapOvr>
@@ -10559,7 +10586,7 @@
   <p:cSld>
     <p:spTree>
       <p:nvGrpSpPr>
-        <p:cNvPr id="193" name="Shape 193"/>
+        <p:cNvPr id="194" name="Shape 194"/>
         <p:cNvGrpSpPr/>
         <p:nvPr/>
       </p:nvGrpSpPr>
@@ -10573,7 +10600,7 @@
       </p:grpSpPr>
       <p:sp>
         <p:nvSpPr>
-          <p:cNvPr id="194" name="Google Shape;194;p22"/>
+          <p:cNvPr id="195" name="Google Shape;195;p22"/>
           <p:cNvSpPr txBox="1"/>
           <p:nvPr>
             <p:ph type="title"/>
@@ -10613,7 +10640,7 @@
       </p:sp>
       <p:sp>
         <p:nvSpPr>
-          <p:cNvPr id="195" name="Google Shape;195;p22"/>
+          <p:cNvPr id="196" name="Google Shape;196;p22"/>
           <p:cNvSpPr txBox="1"/>
           <p:nvPr>
             <p:ph idx="1" type="body"/>
@@ -10919,7 +10946,7 @@
   <p:cSld>
     <p:spTree>
       <p:nvGrpSpPr>
-        <p:cNvPr id="199" name="Shape 199"/>
+        <p:cNvPr id="200" name="Shape 200"/>
         <p:cNvGrpSpPr/>
         <p:nvPr/>
       </p:nvGrpSpPr>
@@ -10933,7 +10960,7 @@
       </p:grpSpPr>
       <p:sp>
         <p:nvSpPr>
-          <p:cNvPr id="200" name="Google Shape;200;p23"/>
+          <p:cNvPr id="201" name="Google Shape;201;p23"/>
           <p:cNvSpPr txBox="1"/>
           <p:nvPr>
             <p:ph type="title"/>
@@ -10973,7 +11000,7 @@
       </p:sp>
       <p:sp>
         <p:nvSpPr>
-          <p:cNvPr id="201" name="Google Shape;201;p23"/>
+          <p:cNvPr id="202" name="Google Shape;202;p23"/>
           <p:cNvSpPr txBox="1"/>
           <p:nvPr>
             <p:ph idx="1" type="body"/>
@@ -11115,7 +11142,7 @@
       </p:sp>
       <p:pic>
         <p:nvPicPr>
-          <p:cNvPr id="202" name="Google Shape;202;p23"/>
+          <p:cNvPr id="203" name="Google Shape;203;p23"/>
           <p:cNvPicPr preferRelativeResize="0"/>
           <p:nvPr/>
         </p:nvPicPr>
@@ -11154,7 +11181,7 @@
   <p:cSld>
     <p:spTree>
       <p:nvGrpSpPr>
-        <p:cNvPr id="206" name="Shape 206"/>
+        <p:cNvPr id="207" name="Shape 207"/>
         <p:cNvGrpSpPr/>
         <p:nvPr/>
       </p:nvGrpSpPr>
@@ -11168,7 +11195,7 @@
       </p:grpSpPr>
       <p:sp>
         <p:nvSpPr>
-          <p:cNvPr id="207" name="Google Shape;207;p24"/>
+          <p:cNvPr id="208" name="Google Shape;208;p24"/>
           <p:cNvSpPr txBox="1"/>
           <p:nvPr>
             <p:ph idx="1" type="body"/>
@@ -11291,7 +11318,7 @@
       </p:sp>
       <p:pic>
         <p:nvPicPr>
-          <p:cNvPr id="208" name="Google Shape;208;p24"/>
+          <p:cNvPr id="209" name="Google Shape;209;p24"/>
           <p:cNvPicPr preferRelativeResize="0"/>
           <p:nvPr/>
         </p:nvPicPr>
@@ -11319,7 +11346,7 @@
       </p:pic>
       <p:pic>
         <p:nvPicPr>
-          <p:cNvPr id="209" name="Google Shape;209;p24"/>
+          <p:cNvPr id="210" name="Google Shape;210;p24"/>
           <p:cNvPicPr preferRelativeResize="0"/>
           <p:nvPr/>
         </p:nvPicPr>
@@ -11358,7 +11385,7 @@
   <p:cSld>
     <p:spTree>
       <p:nvGrpSpPr>
-        <p:cNvPr id="213" name="Shape 213"/>
+        <p:cNvPr id="214" name="Shape 214"/>
         <p:cNvGrpSpPr/>
         <p:nvPr/>
       </p:nvGrpSpPr>
@@ -11372,7 +11399,7 @@
       </p:grpSpPr>
       <p:sp>
         <p:nvSpPr>
-          <p:cNvPr id="214" name="Google Shape;214;p25"/>
+          <p:cNvPr id="215" name="Google Shape;215;p25"/>
           <p:cNvSpPr txBox="1"/>
           <p:nvPr>
             <p:ph type="title"/>
@@ -11412,7 +11439,7 @@
       </p:sp>
       <p:pic>
         <p:nvPicPr>
-          <p:cNvPr id="215" name="Google Shape;215;p25"/>
+          <p:cNvPr id="216" name="Google Shape;216;p25"/>
           <p:cNvPicPr preferRelativeResize="0"/>
           <p:nvPr/>
         </p:nvPicPr>
@@ -11451,7 +11478,7 @@
   <p:cSld>
     <p:spTree>
       <p:nvGrpSpPr>
-        <p:cNvPr id="219" name="Shape 219"/>
+        <p:cNvPr id="220" name="Shape 220"/>
         <p:cNvGrpSpPr/>
         <p:nvPr/>
       </p:nvGrpSpPr>
@@ -11465,7 +11492,7 @@
       </p:grpSpPr>
       <p:pic>
         <p:nvPicPr>
-          <p:cNvPr id="220" name="Google Shape;220;p26"/>
+          <p:cNvPr id="221" name="Google Shape;221;p26"/>
           <p:cNvPicPr preferRelativeResize="0"/>
           <p:nvPr/>
         </p:nvPicPr>
@@ -11504,7 +11531,7 @@
   <p:cSld>
     <p:spTree>
       <p:nvGrpSpPr>
-        <p:cNvPr id="224" name="Shape 224"/>
+        <p:cNvPr id="225" name="Shape 225"/>
         <p:cNvGrpSpPr/>
         <p:nvPr/>
       </p:nvGrpSpPr>
@@ -11518,7 +11545,7 @@
       </p:grpSpPr>
       <p:sp>
         <p:nvSpPr>
-          <p:cNvPr id="225" name="Google Shape;225;p27"/>
+          <p:cNvPr id="226" name="Google Shape;226;p27"/>
           <p:cNvSpPr txBox="1"/>
           <p:nvPr>
             <p:ph type="title"/>
@@ -11558,7 +11585,7 @@
       </p:sp>
       <p:sp>
         <p:nvSpPr>
-          <p:cNvPr id="226" name="Google Shape;226;p27"/>
+          <p:cNvPr id="227" name="Google Shape;227;p27"/>
           <p:cNvSpPr txBox="1"/>
           <p:nvPr>
             <p:ph idx="1" type="body"/>
@@ -11658,7 +11685,7 @@
       </p:sp>
       <p:pic>
         <p:nvPicPr>
-          <p:cNvPr id="227" name="Google Shape;227;p27"/>
+          <p:cNvPr id="228" name="Google Shape;228;p27"/>
           <p:cNvPicPr preferRelativeResize="0"/>
           <p:nvPr/>
         </p:nvPicPr>
@@ -11697,7 +11724,7 @@
   <p:cSld>
     <p:spTree>
       <p:nvGrpSpPr>
-        <p:cNvPr id="231" name="Shape 231"/>
+        <p:cNvPr id="232" name="Shape 232"/>
         <p:cNvGrpSpPr/>
         <p:nvPr/>
       </p:nvGrpSpPr>
@@ -11711,7 +11738,7 @@
       </p:grpSpPr>
       <p:sp>
         <p:nvSpPr>
-          <p:cNvPr id="232" name="Google Shape;232;p28"/>
+          <p:cNvPr id="233" name="Google Shape;233;p28"/>
           <p:cNvSpPr txBox="1"/>
           <p:nvPr>
             <p:ph type="title"/>
@@ -11751,7 +11778,7 @@
       </p:sp>
       <p:sp>
         <p:nvSpPr>
-          <p:cNvPr id="233" name="Google Shape;233;p28"/>
+          <p:cNvPr id="234" name="Google Shape;234;p28"/>
           <p:cNvSpPr txBox="1"/>
           <p:nvPr>
             <p:ph idx="1" type="body"/>
@@ -11875,7 +11902,7 @@
       </p:sp>
       <p:pic>
         <p:nvPicPr>
-          <p:cNvPr id="234" name="Google Shape;234;p28"/>
+          <p:cNvPr id="235" name="Google Shape;235;p28"/>
           <p:cNvPicPr preferRelativeResize="0"/>
           <p:nvPr/>
         </p:nvPicPr>
@@ -11914,7 +11941,7 @@
   <p:cSld>
     <p:spTree>
       <p:nvGrpSpPr>
-        <p:cNvPr id="139" name="Shape 139"/>
+        <p:cNvPr id="140" name="Shape 140"/>
         <p:cNvGrpSpPr/>
         <p:nvPr/>
       </p:nvGrpSpPr>
@@ -11928,7 +11955,7 @@
       </p:grpSpPr>
       <p:sp>
         <p:nvSpPr>
-          <p:cNvPr id="140" name="Google Shape;140;p14"/>
+          <p:cNvPr id="141" name="Google Shape;141;p14"/>
           <p:cNvSpPr txBox="1"/>
           <p:nvPr>
             <p:ph type="title"/>
@@ -11979,7 +12006,7 @@
   <p:cSld>
     <p:spTree>
       <p:nvGrpSpPr>
-        <p:cNvPr id="144" name="Shape 144"/>
+        <p:cNvPr id="145" name="Shape 145"/>
         <p:cNvGrpSpPr/>
         <p:nvPr/>
       </p:nvGrpSpPr>
@@ -11993,7 +12020,7 @@
       </p:grpSpPr>
       <p:sp>
         <p:nvSpPr>
-          <p:cNvPr id="145" name="Google Shape;145;p15"/>
+          <p:cNvPr id="146" name="Google Shape;146;p15"/>
           <p:cNvSpPr txBox="1"/>
           <p:nvPr>
             <p:ph type="title"/>
@@ -12033,7 +12060,7 @@
       </p:sp>
       <p:grpSp>
         <p:nvGrpSpPr>
-          <p:cNvPr id="146" name="Google Shape;146;p15"/>
+          <p:cNvPr id="147" name="Google Shape;147;p15"/>
           <p:cNvGrpSpPr/>
           <p:nvPr/>
         </p:nvGrpSpPr>
@@ -12047,7 +12074,7 @@
         </p:grpSpPr>
         <p:sp>
           <p:nvSpPr>
-            <p:cNvPr id="147" name="Google Shape;147;p15"/>
+            <p:cNvPr id="148" name="Google Shape;148;p15"/>
             <p:cNvSpPr/>
             <p:nvPr/>
           </p:nvSpPr>
@@ -12090,7 +12117,7 @@
         </p:sp>
         <p:sp>
           <p:nvSpPr>
-            <p:cNvPr id="148" name="Google Shape;148;p15"/>
+            <p:cNvPr id="149" name="Google Shape;149;p15"/>
             <p:cNvSpPr txBox="1"/>
             <p:nvPr/>
           </p:nvSpPr>
@@ -12149,7 +12176,7 @@
       </p:grpSp>
       <p:grpSp>
         <p:nvGrpSpPr>
-          <p:cNvPr id="149" name="Google Shape;149;p15"/>
+          <p:cNvPr id="150" name="Google Shape;150;p15"/>
           <p:cNvGrpSpPr/>
           <p:nvPr/>
         </p:nvGrpSpPr>
@@ -12163,7 +12190,7 @@
         </p:grpSpPr>
         <p:sp>
           <p:nvSpPr>
-            <p:cNvPr id="150" name="Google Shape;150;p15"/>
+            <p:cNvPr id="151" name="Google Shape;151;p15"/>
             <p:cNvSpPr/>
             <p:nvPr/>
           </p:nvSpPr>
@@ -12206,7 +12233,7 @@
         </p:sp>
         <p:sp>
           <p:nvSpPr>
-            <p:cNvPr id="151" name="Google Shape;151;p15"/>
+            <p:cNvPr id="152" name="Google Shape;152;p15"/>
             <p:cNvSpPr txBox="1"/>
             <p:nvPr/>
           </p:nvSpPr>
@@ -12265,7 +12292,7 @@
       </p:grpSp>
       <p:sp>
         <p:nvSpPr>
-          <p:cNvPr id="152" name="Google Shape;152;p15"/>
+          <p:cNvPr id="153" name="Google Shape;153;p15"/>
           <p:cNvSpPr/>
           <p:nvPr/>
         </p:nvSpPr>
@@ -12336,7 +12363,7 @@
   <p:cSld>
     <p:spTree>
       <p:nvGrpSpPr>
-        <p:cNvPr id="156" name="Shape 156"/>
+        <p:cNvPr id="157" name="Shape 157"/>
         <p:cNvGrpSpPr/>
         <p:nvPr/>
       </p:nvGrpSpPr>
@@ -12350,7 +12377,7 @@
       </p:grpSpPr>
       <p:sp>
         <p:nvSpPr>
-          <p:cNvPr id="157" name="Google Shape;157;p16"/>
+          <p:cNvPr id="158" name="Google Shape;158;p16"/>
           <p:cNvSpPr txBox="1"/>
           <p:nvPr>
             <p:ph type="title"/>
@@ -12401,7 +12428,7 @@
   <p:cSld>
     <p:spTree>
       <p:nvGrpSpPr>
-        <p:cNvPr id="161" name="Shape 161"/>
+        <p:cNvPr id="162" name="Shape 162"/>
         <p:cNvGrpSpPr/>
         <p:nvPr/>
       </p:nvGrpSpPr>
@@ -12415,7 +12442,7 @@
       </p:grpSpPr>
       <p:sp>
         <p:nvSpPr>
-          <p:cNvPr id="162" name="Google Shape;162;p17"/>
+          <p:cNvPr id="163" name="Google Shape;163;p17"/>
           <p:cNvSpPr txBox="1"/>
           <p:nvPr>
             <p:ph type="title"/>
@@ -12455,7 +12482,7 @@
       </p:sp>
       <p:sp>
         <p:nvSpPr>
-          <p:cNvPr id="163" name="Google Shape;163;p17"/>
+          <p:cNvPr id="164" name="Google Shape;164;p17"/>
           <p:cNvSpPr txBox="1"/>
           <p:nvPr>
             <p:ph idx="1" type="body"/>
@@ -12619,7 +12646,7 @@
   <p:cSld>
     <p:spTree>
       <p:nvGrpSpPr>
-        <p:cNvPr id="167" name="Shape 167"/>
+        <p:cNvPr id="168" name="Shape 168"/>
         <p:cNvGrpSpPr/>
         <p:nvPr/>
       </p:nvGrpSpPr>
@@ -12633,7 +12660,7 @@
       </p:grpSpPr>
       <p:sp>
         <p:nvSpPr>
-          <p:cNvPr id="168" name="Google Shape;168;p18"/>
+          <p:cNvPr id="169" name="Google Shape;169;p18"/>
           <p:cNvSpPr txBox="1"/>
           <p:nvPr>
             <p:ph type="title"/>
@@ -12673,7 +12700,7 @@
       </p:sp>
       <p:sp>
         <p:nvSpPr>
-          <p:cNvPr id="169" name="Google Shape;169;p18"/>
+          <p:cNvPr id="170" name="Google Shape;170;p18"/>
           <p:cNvSpPr txBox="1"/>
           <p:nvPr>
             <p:ph idx="1" type="body"/>
@@ -12714,7 +12741,7 @@
       </p:sp>
       <p:pic>
         <p:nvPicPr>
-          <p:cNvPr id="170" name="Google Shape;170;p18"/>
+          <p:cNvPr id="171" name="Google Shape;171;p18"/>
           <p:cNvPicPr preferRelativeResize="0"/>
           <p:nvPr/>
         </p:nvPicPr>
@@ -12742,7 +12769,7 @@
       </p:pic>
       <p:sp>
         <p:nvSpPr>
-          <p:cNvPr id="171" name="Google Shape;171;p18"/>
+          <p:cNvPr id="172" name="Google Shape;172;p18"/>
           <p:cNvSpPr txBox="1"/>
           <p:nvPr/>
         </p:nvSpPr>
@@ -12928,7 +12955,7 @@
       </p:sp>
       <p:pic>
         <p:nvPicPr>
-          <p:cNvPr id="172" name="Google Shape;172;p18"/>
+          <p:cNvPr id="173" name="Google Shape;173;p18"/>
           <p:cNvPicPr preferRelativeResize="0"/>
           <p:nvPr/>
         </p:nvPicPr>
@@ -12967,7 +12994,7 @@
   <p:cSld>
     <p:spTree>
       <p:nvGrpSpPr>
-        <p:cNvPr id="176" name="Shape 176"/>
+        <p:cNvPr id="177" name="Shape 177"/>
         <p:cNvGrpSpPr/>
         <p:nvPr/>
       </p:nvGrpSpPr>
@@ -12981,7 +13008,7 @@
       </p:grpSpPr>
       <p:sp>
         <p:nvSpPr>
-          <p:cNvPr id="177" name="Google Shape;177;p19"/>
+          <p:cNvPr id="178" name="Google Shape;178;p19"/>
           <p:cNvSpPr txBox="1"/>
           <p:nvPr>
             <p:ph type="title"/>
@@ -13021,7 +13048,7 @@
       </p:sp>
       <p:pic>
         <p:nvPicPr>
-          <p:cNvPr id="178" name="Google Shape;178;p19"/>
+          <p:cNvPr id="179" name="Google Shape;179;p19"/>
           <p:cNvPicPr preferRelativeResize="0"/>
           <p:nvPr/>
         </p:nvPicPr>
@@ -13060,7 +13087,7 @@
   <p:cSld>
     <p:spTree>
       <p:nvGrpSpPr>
-        <p:cNvPr id="182" name="Shape 182"/>
+        <p:cNvPr id="183" name="Shape 183"/>
         <p:cNvGrpSpPr/>
         <p:nvPr/>
       </p:nvGrpSpPr>
@@ -13074,7 +13101,7 @@
       </p:grpSpPr>
       <p:sp>
         <p:nvSpPr>
-          <p:cNvPr id="183" name="Google Shape;183;p20"/>
+          <p:cNvPr id="184" name="Google Shape;184;p20"/>
           <p:cNvSpPr txBox="1"/>
           <p:nvPr>
             <p:ph type="title"/>
@@ -13128,7 +13155,7 @@
       </p:sp>
       <p:sp>
         <p:nvSpPr>
-          <p:cNvPr id="184" name="Google Shape;184;p20"/>
+          <p:cNvPr id="185" name="Google Shape;185;p20"/>
           <p:cNvSpPr txBox="1"/>
           <p:nvPr>
             <p:ph idx="1" type="body"/>
@@ -13396,7 +13423,7 @@
   <p:cSld>
     <p:spTree>
       <p:nvGrpSpPr>
-        <p:cNvPr id="188" name="Shape 188"/>
+        <p:cNvPr id="189" name="Shape 189"/>
         <p:cNvGrpSpPr/>
         <p:nvPr/>
       </p:nvGrpSpPr>
@@ -13410,7 +13437,7 @@
       </p:grpSpPr>
       <p:sp>
         <p:nvSpPr>
-          <p:cNvPr id="189" name="Google Shape;189;p21"/>
+          <p:cNvPr id="190" name="Google Shape;190;p21"/>
           <p:cNvSpPr txBox="1"/>
           <p:nvPr>
             <p:ph type="title"/>
